--- a/docs/diagrams/UndoRedoExecuteUndoStateListDiagram.pptx
+++ b/docs/diagrams/UndoRedoExecuteUndoStateListDiagram.pptx
@@ -112,10 +112,6 @@
 </p:presentation>
 </file>
 
-<file path=ppt/revisionInfo.xml><?xml version="1.0" encoding="utf-8"?>
-<p1510:revInfo xmlns:a="http://schemas.openxmlformats.org/drawingml/2006/main" xmlns:r="http://schemas.openxmlformats.org/officeDocument/2006/relationships" xmlns:p1510="http://schemas.microsoft.com/office/powerpoint/2015/10/main"/>
-</file>
-
 <file path=ppt/slideLayouts/slideLayout1.xml><?xml version="1.0" encoding="utf-8"?>
 <p:sldLayout xmlns:a="http://schemas.openxmlformats.org/drawingml/2006/main" xmlns:r="http://schemas.openxmlformats.org/officeDocument/2006/relationships" xmlns:p="http://schemas.openxmlformats.org/presentationml/2006/main" type="title" preserve="1">
   <p:cSld name="Title Slide">
@@ -265,7 +261,7 @@
           <a:p>
             <a:fld id="{03EC4E3E-8101-482F-A883-8B55DAFF7C07}" type="datetimeFigureOut">
               <a:rPr lang="en-SG" smtClean="0"/>
-              <a:t>6/7/2018</a:t>
+              <a:t>11/11/2018</a:t>
             </a:fld>
             <a:endParaRPr lang="en-SG"/>
           </a:p>
@@ -465,7 +461,7 @@
           <a:p>
             <a:fld id="{03EC4E3E-8101-482F-A883-8B55DAFF7C07}" type="datetimeFigureOut">
               <a:rPr lang="en-SG" smtClean="0"/>
-              <a:t>6/7/2018</a:t>
+              <a:t>11/11/2018</a:t>
             </a:fld>
             <a:endParaRPr lang="en-SG"/>
           </a:p>
@@ -675,7 +671,7 @@
           <a:p>
             <a:fld id="{03EC4E3E-8101-482F-A883-8B55DAFF7C07}" type="datetimeFigureOut">
               <a:rPr lang="en-SG" smtClean="0"/>
-              <a:t>6/7/2018</a:t>
+              <a:t>11/11/2018</a:t>
             </a:fld>
             <a:endParaRPr lang="en-SG"/>
           </a:p>
@@ -875,7 +871,7 @@
           <a:p>
             <a:fld id="{03EC4E3E-8101-482F-A883-8B55DAFF7C07}" type="datetimeFigureOut">
               <a:rPr lang="en-SG" smtClean="0"/>
-              <a:t>6/7/2018</a:t>
+              <a:t>11/11/2018</a:t>
             </a:fld>
             <a:endParaRPr lang="en-SG"/>
           </a:p>
@@ -1151,7 +1147,7 @@
           <a:p>
             <a:fld id="{03EC4E3E-8101-482F-A883-8B55DAFF7C07}" type="datetimeFigureOut">
               <a:rPr lang="en-SG" smtClean="0"/>
-              <a:t>6/7/2018</a:t>
+              <a:t>11/11/2018</a:t>
             </a:fld>
             <a:endParaRPr lang="en-SG"/>
           </a:p>
@@ -1419,7 +1415,7 @@
           <a:p>
             <a:fld id="{03EC4E3E-8101-482F-A883-8B55DAFF7C07}" type="datetimeFigureOut">
               <a:rPr lang="en-SG" smtClean="0"/>
-              <a:t>6/7/2018</a:t>
+              <a:t>11/11/2018</a:t>
             </a:fld>
             <a:endParaRPr lang="en-SG"/>
           </a:p>
@@ -1834,7 +1830,7 @@
           <a:p>
             <a:fld id="{03EC4E3E-8101-482F-A883-8B55DAFF7C07}" type="datetimeFigureOut">
               <a:rPr lang="en-SG" smtClean="0"/>
-              <a:t>6/7/2018</a:t>
+              <a:t>11/11/2018</a:t>
             </a:fld>
             <a:endParaRPr lang="en-SG"/>
           </a:p>
@@ -1976,7 +1972,7 @@
           <a:p>
             <a:fld id="{03EC4E3E-8101-482F-A883-8B55DAFF7C07}" type="datetimeFigureOut">
               <a:rPr lang="en-SG" smtClean="0"/>
-              <a:t>6/7/2018</a:t>
+              <a:t>11/11/2018</a:t>
             </a:fld>
             <a:endParaRPr lang="en-SG"/>
           </a:p>
@@ -2089,7 +2085,7 @@
           <a:p>
             <a:fld id="{03EC4E3E-8101-482F-A883-8B55DAFF7C07}" type="datetimeFigureOut">
               <a:rPr lang="en-SG" smtClean="0"/>
-              <a:t>6/7/2018</a:t>
+              <a:t>11/11/2018</a:t>
             </a:fld>
             <a:endParaRPr lang="en-SG"/>
           </a:p>
@@ -2402,7 +2398,7 @@
           <a:p>
             <a:fld id="{03EC4E3E-8101-482F-A883-8B55DAFF7C07}" type="datetimeFigureOut">
               <a:rPr lang="en-SG" smtClean="0"/>
-              <a:t>6/7/2018</a:t>
+              <a:t>11/11/2018</a:t>
             </a:fld>
             <a:endParaRPr lang="en-SG"/>
           </a:p>
@@ -2691,7 +2687,7 @@
           <a:p>
             <a:fld id="{03EC4E3E-8101-482F-A883-8B55DAFF7C07}" type="datetimeFigureOut">
               <a:rPr lang="en-SG" smtClean="0"/>
-              <a:t>6/7/2018</a:t>
+              <a:t>11/11/2018</a:t>
             </a:fld>
             <a:endParaRPr lang="en-SG"/>
           </a:p>
@@ -2934,7 +2930,7 @@
           <a:p>
             <a:fld id="{03EC4E3E-8101-482F-A883-8B55DAFF7C07}" type="datetimeFigureOut">
               <a:rPr lang="en-SG" smtClean="0"/>
-              <a:t>6/7/2018</a:t>
+              <a:t>11/11/2018</a:t>
             </a:fld>
             <a:endParaRPr lang="en-SG"/>
           </a:p>
@@ -3365,8 +3361,8 @@
         </p:nvSpPr>
         <p:spPr>
           <a:xfrm>
-            <a:off x="5890055" y="4704348"/>
-            <a:ext cx="5504846" cy="646331"/>
+            <a:off x="5885895" y="5821521"/>
+            <a:ext cx="6000829" cy="923330"/>
           </a:xfrm>
           <a:prstGeom prst="rect">
             <a:avLst/>
@@ -3407,7 +3403,7 @@
             <a:pPr algn="ctr"/>
             <a:r>
               <a:rPr lang="en-SG" dirty="0"/>
-              <a:t>The state of the address book (before ‘add n/David …’ was executed) will be restored to state ab1.</a:t>
+              <a:t>The state of the WorkoutBook, TrackedData and TrackedDataList (before ‘add name/David …’ was executed) will be restored to state wb1, td1 and tdl1 respectively.</a:t>
             </a:r>
           </a:p>
         </p:txBody>
@@ -3458,10 +3454,10 @@
       </p:sp>
       <p:sp>
         <p:nvSpPr>
-          <p:cNvPr id="17" name="TextBox 16">
-            <a:extLst>
-              <a:ext uri="{FF2B5EF4-FFF2-40B4-BE49-F238E27FC236}">
-                <a16:creationId xmlns:a16="http://schemas.microsoft.com/office/drawing/2014/main" id="{3151A13B-9509-43FA-BFEB-1D9866A00B84}"/>
+          <p:cNvPr id="26" name="TextBox 25">
+            <a:extLst>
+              <a:ext uri="{FF2B5EF4-FFF2-40B4-BE49-F238E27FC236}">
+                <a16:creationId xmlns:a16="http://schemas.microsoft.com/office/drawing/2014/main" id="{C2FA2BE0-7A13-421A-A108-A9708C3AABB3}"/>
               </a:ext>
             </a:extLst>
           </p:cNvPr>
@@ -3470,7 +3466,7 @@
         </p:nvSpPr>
         <p:spPr>
           <a:xfrm>
-            <a:off x="3917960" y="2726030"/>
+            <a:off x="4130386" y="2698937"/>
             <a:ext cx="3207000" cy="369332"/>
           </a:xfrm>
           <a:prstGeom prst="rect">
@@ -3486,26 +3482,20 @@
           <a:p>
             <a:pPr algn="ctr"/>
             <a:r>
-              <a:rPr lang="en-SG" dirty="0" err="1">
-                <a:latin typeface="Consolas" panose="020B0609020204030204" pitchFamily="49" charset="0"/>
-              </a:rPr>
-              <a:t>currentStatePointer</a:t>
-            </a:r>
-            <a:r>
               <a:rPr lang="en-SG" dirty="0">
                 <a:latin typeface="Consolas" panose="020B0609020204030204" pitchFamily="49" charset="0"/>
               </a:rPr>
-              <a:t> = 2</a:t>
+              <a:t>currentStatePointer = 2</a:t>
             </a:r>
           </a:p>
         </p:txBody>
       </p:sp>
       <p:graphicFrame>
         <p:nvGraphicFramePr>
-          <p:cNvPr id="18" name="Table 17">
-            <a:extLst>
-              <a:ext uri="{FF2B5EF4-FFF2-40B4-BE49-F238E27FC236}">
-                <a16:creationId xmlns:a16="http://schemas.microsoft.com/office/drawing/2014/main" id="{F545FAB8-F1CE-4886-9BDE-E772BCB0A9C4}"/>
+          <p:cNvPr id="27" name="Table 26">
+            <a:extLst>
+              <a:ext uri="{FF2B5EF4-FFF2-40B4-BE49-F238E27FC236}">
+                <a16:creationId xmlns:a16="http://schemas.microsoft.com/office/drawing/2014/main" id="{02D95F5F-FF79-463A-B25E-1540273BE725}"/>
               </a:ext>
             </a:extLst>
           </p:cNvPr>
@@ -3515,14 +3505,14 @@
           <p:nvPr>
             <p:extLst>
               <p:ext uri="{D42A27DB-BD31-4B8C-83A1-F6EECF244321}">
-                <p14:modId xmlns:p14="http://schemas.microsoft.com/office/powerpoint/2010/main" val="1674993041"/>
+                <p14:modId xmlns:p14="http://schemas.microsoft.com/office/powerpoint/2010/main" val="1951616088"/>
               </p:ext>
             </p:extLst>
           </p:nvPr>
         </p:nvGraphicFramePr>
         <p:xfrm>
-          <a:off x="473240" y="1476102"/>
-          <a:ext cx="1825824" cy="417888"/>
+          <a:off x="470704" y="1457178"/>
+          <a:ext cx="2096326" cy="410363"/>
         </p:xfrm>
         <a:graphic>
           <a:graphicData uri="http://schemas.openxmlformats.org/drawingml/2006/table">
@@ -3531,7 +3521,7 @@
                 <a:tableStyleId>{638B1855-1B75-4FBE-930C-398BA8C253C6}</a:tableStyleId>
               </a:tblPr>
               <a:tblGrid>
-                <a:gridCol w="1825824">
+                <a:gridCol w="2096326">
                   <a:extLst>
                     <a:ext uri="{9D8B030D-6E8A-4147-A177-3AD203B41FA5}">
                       <a16:colId xmlns:a16="http://schemas.microsoft.com/office/drawing/2014/main" val="4240773277"/>
@@ -3539,21 +3529,22 @@
                   </a:extLst>
                 </a:gridCol>
               </a:tblGrid>
-              <a:tr h="417888">
+              <a:tr h="410363">
                 <a:tc>
                   <a:txBody>
                     <a:bodyPr/>
                     <a:lstStyle/>
                     <a:p>
+                      <a:pPr algn="ctr"/>
                       <a:r>
                         <a:rPr lang="en-SG" u="sng" dirty="0"/>
-                        <a:t>ab0:</a:t>
+                        <a:t>tdl0:</a:t>
                       </a:r>
                       <a:r>
                         <a:rPr lang="en-SG" sz="1800" u="sng" dirty="0"/>
-                        <a:t>AddressBook</a:t>
+                        <a:t>TrackedDataList</a:t>
                       </a:r>
-                      <a:endParaRPr lang="en-SG" u="sng" dirty="0"/>
+                      <a:endParaRPr lang="en-SG" sz="1600" u="sng" dirty="0"/>
                     </a:p>
                   </a:txBody>
                   <a:tcPr/>
@@ -3570,13 +3561,19 @@
       </p:graphicFrame>
       <p:sp>
         <p:nvSpPr>
-          <p:cNvPr id="28" name="Rectangle 27"/>
+          <p:cNvPr id="30" name="Rectangle 29">
+            <a:extLst>
+              <a:ext uri="{FF2B5EF4-FFF2-40B4-BE49-F238E27FC236}">
+                <a16:creationId xmlns:a16="http://schemas.microsoft.com/office/drawing/2014/main" id="{EBD8B7EB-50C0-4285-A49D-E903CEAB1820}"/>
+              </a:ext>
+            </a:extLst>
+          </p:cNvPr>
           <p:cNvSpPr/>
           <p:nvPr/>
         </p:nvSpPr>
         <p:spPr>
           <a:xfrm>
-            <a:off x="364797" y="1375953"/>
+            <a:off x="362262" y="1357029"/>
             <a:ext cx="11364686" cy="618187"/>
           </a:xfrm>
           <a:prstGeom prst="rect">
@@ -3614,60 +3611,135 @@
           </a:p>
         </p:txBody>
       </p:sp>
-      <p:sp>
-        <p:nvSpPr>
-          <p:cNvPr id="29" name="TextBox 28">
-            <a:extLst>
-              <a:ext uri="{FF2B5EF4-FFF2-40B4-BE49-F238E27FC236}">
-                <a16:creationId xmlns:a16="http://schemas.microsoft.com/office/drawing/2014/main" id="{3151A13B-9509-43FA-BFEB-1D9866A00B84}"/>
-              </a:ext>
-            </a:extLst>
-          </p:cNvPr>
-          <p:cNvSpPr txBox="1"/>
+      <p:cxnSp>
+        <p:nvCxnSpPr>
+          <p:cNvPr id="31" name="Straight Arrow Connector 30">
+            <a:extLst>
+              <a:ext uri="{FF2B5EF4-FFF2-40B4-BE49-F238E27FC236}">
+                <a16:creationId xmlns:a16="http://schemas.microsoft.com/office/drawing/2014/main" id="{F5DC984C-6037-42A0-8FA6-5A3D97A7AFC3}"/>
+              </a:ext>
+            </a:extLst>
+          </p:cNvPr>
+          <p:cNvCxnSpPr>
+            <a:cxnSpLocks/>
+          </p:cNvCxnSpPr>
+          <p:nvPr/>
+        </p:nvCxnSpPr>
+        <p:spPr>
+          <a:xfrm flipV="1">
+            <a:off x="5955204" y="2004385"/>
+            <a:ext cx="0" cy="706873"/>
+          </a:xfrm>
+          <a:prstGeom prst="straightConnector1">
+            <a:avLst/>
+          </a:prstGeom>
+          <a:ln>
+            <a:solidFill>
+              <a:srgbClr val="C00000"/>
+            </a:solidFill>
+            <a:tailEnd type="triangle"/>
+          </a:ln>
+        </p:spPr>
+        <p:style>
+          <a:lnRef idx="1">
+            <a:schemeClr val="accent1"/>
+          </a:lnRef>
+          <a:fillRef idx="0">
+            <a:schemeClr val="accent1"/>
+          </a:fillRef>
+          <a:effectRef idx="0">
+            <a:schemeClr val="accent1"/>
+          </a:effectRef>
+          <a:fontRef idx="minor">
+            <a:schemeClr val="tx1"/>
+          </a:fontRef>
+        </p:style>
+      </p:cxnSp>
+      <p:graphicFrame>
+        <p:nvGraphicFramePr>
+          <p:cNvPr id="32" name="Table 31">
+            <a:extLst>
+              <a:ext uri="{FF2B5EF4-FFF2-40B4-BE49-F238E27FC236}">
+                <a16:creationId xmlns:a16="http://schemas.microsoft.com/office/drawing/2014/main" id="{87903828-9F5E-4218-80F0-64C76D825189}"/>
+              </a:ext>
+            </a:extLst>
+          </p:cNvPr>
+          <p:cNvGraphicFramePr>
+            <a:graphicFrameLocks noGrp="1"/>
+          </p:cNvGraphicFramePr>
+          <p:nvPr>
+            <p:extLst>
+              <p:ext uri="{D42A27DB-BD31-4B8C-83A1-F6EECF244321}">
+                <p14:modId xmlns:p14="http://schemas.microsoft.com/office/powerpoint/2010/main" val="2004010242"/>
+              </p:ext>
+            </p:extLst>
+          </p:nvPr>
+        </p:nvGraphicFramePr>
+        <p:xfrm>
+          <a:off x="470704" y="794548"/>
+          <a:ext cx="2096326" cy="410363"/>
+        </p:xfrm>
+        <a:graphic>
+          <a:graphicData uri="http://schemas.openxmlformats.org/drawingml/2006/table">
+            <a:tbl>
+              <a:tblPr>
+                <a:tableStyleId>{638B1855-1B75-4FBE-930C-398BA8C253C6}</a:tableStyleId>
+              </a:tblPr>
+              <a:tblGrid>
+                <a:gridCol w="2096326">
+                  <a:extLst>
+                    <a:ext uri="{9D8B030D-6E8A-4147-A177-3AD203B41FA5}">
+                      <a16:colId xmlns:a16="http://schemas.microsoft.com/office/drawing/2014/main" val="4240773277"/>
+                    </a:ext>
+                  </a:extLst>
+                </a:gridCol>
+              </a:tblGrid>
+              <a:tr h="410363">
+                <a:tc>
+                  <a:txBody>
+                    <a:bodyPr/>
+                    <a:lstStyle/>
+                    <a:p>
+                      <a:pPr algn="ctr"/>
+                      <a:r>
+                        <a:rPr lang="en-SG" u="sng" dirty="0"/>
+                        <a:t>td0:</a:t>
+                      </a:r>
+                      <a:r>
+                        <a:rPr lang="en-SG" sz="1800" u="sng" dirty="0"/>
+                        <a:t>TrackedData</a:t>
+                      </a:r>
+                      <a:endParaRPr lang="en-SG" sz="1600" u="sng" dirty="0"/>
+                    </a:p>
+                  </a:txBody>
+                  <a:tcPr/>
+                </a:tc>
+                <a:extLst>
+                  <a:ext uri="{0D108BD9-81ED-4DB2-BD59-A6C34878D82A}">
+                    <a16:rowId xmlns:a16="http://schemas.microsoft.com/office/drawing/2014/main" val="2194462629"/>
+                  </a:ext>
+                </a:extLst>
+              </a:tr>
+            </a:tbl>
+          </a:graphicData>
+        </a:graphic>
+      </p:graphicFrame>
+      <p:sp>
+        <p:nvSpPr>
+          <p:cNvPr id="33" name="Rectangle 32">
+            <a:extLst>
+              <a:ext uri="{FF2B5EF4-FFF2-40B4-BE49-F238E27FC236}">
+                <a16:creationId xmlns:a16="http://schemas.microsoft.com/office/drawing/2014/main" id="{0C65687E-0E52-466D-8ACF-87D06B4D95EC}"/>
+              </a:ext>
+            </a:extLst>
+          </p:cNvPr>
+          <p:cNvSpPr/>
           <p:nvPr/>
         </p:nvSpPr>
         <p:spPr>
           <a:xfrm>
-            <a:off x="1939992" y="5234888"/>
-            <a:ext cx="3207000" cy="369332"/>
-          </a:xfrm>
-          <a:prstGeom prst="rect">
-            <a:avLst/>
-          </a:prstGeom>
-          <a:noFill/>
-        </p:spPr>
-        <p:txBody>
-          <a:bodyPr wrap="square" rtlCol="0">
-            <a:spAutoFit/>
-          </a:bodyPr>
-          <a:lstStyle/>
-          <a:p>
-            <a:pPr algn="ctr"/>
-            <a:r>
-              <a:rPr lang="en-SG" dirty="0" err="1">
-                <a:latin typeface="Consolas" panose="020B0609020204030204" pitchFamily="49" charset="0"/>
-              </a:rPr>
-              <a:t>currentStatePointer</a:t>
-            </a:r>
-            <a:r>
-              <a:rPr lang="en-SG" dirty="0">
-                <a:latin typeface="Consolas" panose="020B0609020204030204" pitchFamily="49" charset="0"/>
-              </a:rPr>
-              <a:t> = 1</a:t>
-            </a:r>
-          </a:p>
-        </p:txBody>
-      </p:sp>
-      <p:sp>
-        <p:nvSpPr>
-          <p:cNvPr id="38" name="Rectangle 37"/>
-          <p:cNvSpPr/>
-          <p:nvPr/>
-        </p:nvSpPr>
-        <p:spPr>
-          <a:xfrm>
-            <a:off x="387404" y="3838574"/>
-            <a:ext cx="11364686" cy="593918"/>
+            <a:off x="362262" y="694399"/>
+            <a:ext cx="11364686" cy="618187"/>
           </a:xfrm>
           <a:prstGeom prst="rect">
             <a:avLst/>
@@ -3706,10 +3778,10 @@
       </p:sp>
       <p:graphicFrame>
         <p:nvGraphicFramePr>
-          <p:cNvPr id="16" name="Table 15">
-            <a:extLst>
-              <a:ext uri="{FF2B5EF4-FFF2-40B4-BE49-F238E27FC236}">
-                <a16:creationId xmlns:a16="http://schemas.microsoft.com/office/drawing/2014/main" id="{F545FAB8-F1CE-4886-9BDE-E772BCB0A9C4}"/>
+          <p:cNvPr id="34" name="Table 33">
+            <a:extLst>
+              <a:ext uri="{FF2B5EF4-FFF2-40B4-BE49-F238E27FC236}">
+                <a16:creationId xmlns:a16="http://schemas.microsoft.com/office/drawing/2014/main" id="{E1F2C121-C14C-48B8-8644-EE452B9BFDF9}"/>
               </a:ext>
             </a:extLst>
           </p:cNvPr>
@@ -3719,14 +3791,14 @@
           <p:nvPr>
             <p:extLst>
               <p:ext uri="{D42A27DB-BD31-4B8C-83A1-F6EECF244321}">
-                <p14:modId xmlns:p14="http://schemas.microsoft.com/office/powerpoint/2010/main" val="3085921390"/>
+                <p14:modId xmlns:p14="http://schemas.microsoft.com/office/powerpoint/2010/main" val="2909074811"/>
               </p:ext>
             </p:extLst>
           </p:nvPr>
         </p:nvGraphicFramePr>
         <p:xfrm>
-          <a:off x="2440458" y="1476102"/>
-          <a:ext cx="1825824" cy="417888"/>
+          <a:off x="470704" y="124376"/>
+          <a:ext cx="2096326" cy="410363"/>
         </p:xfrm>
         <a:graphic>
           <a:graphicData uri="http://schemas.openxmlformats.org/drawingml/2006/table">
@@ -3735,7 +3807,7 @@
                 <a:tableStyleId>{638B1855-1B75-4FBE-930C-398BA8C253C6}</a:tableStyleId>
               </a:tblPr>
               <a:tblGrid>
-                <a:gridCol w="1825824">
+                <a:gridCol w="2096326">
                   <a:extLst>
                     <a:ext uri="{9D8B030D-6E8A-4147-A177-3AD203B41FA5}">
                       <a16:colId xmlns:a16="http://schemas.microsoft.com/office/drawing/2014/main" val="4240773277"/>
@@ -3743,21 +3815,143 @@
                   </a:extLst>
                 </a:gridCol>
               </a:tblGrid>
-              <a:tr h="417888">
+              <a:tr h="410363">
                 <a:tc>
                   <a:txBody>
                     <a:bodyPr/>
                     <a:lstStyle/>
                     <a:p>
+                      <a:pPr algn="ctr"/>
                       <a:r>
                         <a:rPr lang="en-SG" u="sng" dirty="0"/>
-                        <a:t>ab1:</a:t>
+                        <a:t>wb0:</a:t>
                       </a:r>
                       <a:r>
                         <a:rPr lang="en-SG" sz="1800" u="sng" dirty="0"/>
-                        <a:t>AddressBook</a:t>
+                        <a:t>WorkoutBook</a:t>
                       </a:r>
-                      <a:endParaRPr lang="en-SG" u="sng" dirty="0"/>
+                      <a:endParaRPr lang="en-SG" sz="1600" u="sng" dirty="0"/>
+                    </a:p>
+                  </a:txBody>
+                  <a:tcPr/>
+                </a:tc>
+                <a:extLst>
+                  <a:ext uri="{0D108BD9-81ED-4DB2-BD59-A6C34878D82A}">
+                    <a16:rowId xmlns:a16="http://schemas.microsoft.com/office/drawing/2014/main" val="2194462629"/>
+                  </a:ext>
+                </a:extLst>
+              </a:tr>
+            </a:tbl>
+          </a:graphicData>
+        </a:graphic>
+      </p:graphicFrame>
+      <p:sp>
+        <p:nvSpPr>
+          <p:cNvPr id="35" name="Rectangle 34">
+            <a:extLst>
+              <a:ext uri="{FF2B5EF4-FFF2-40B4-BE49-F238E27FC236}">
+                <a16:creationId xmlns:a16="http://schemas.microsoft.com/office/drawing/2014/main" id="{43989025-C056-4456-A0A1-00B6C161F65D}"/>
+              </a:ext>
+            </a:extLst>
+          </p:cNvPr>
+          <p:cNvSpPr/>
+          <p:nvPr/>
+        </p:nvSpPr>
+        <p:spPr>
+          <a:xfrm>
+            <a:off x="362262" y="24227"/>
+            <a:ext cx="11364686" cy="618187"/>
+          </a:xfrm>
+          <a:prstGeom prst="rect">
+            <a:avLst/>
+          </a:prstGeom>
+          <a:noFill/>
+          <a:ln>
+            <a:solidFill>
+              <a:schemeClr val="tx1"/>
+            </a:solidFill>
+          </a:ln>
+        </p:spPr>
+        <p:style>
+          <a:lnRef idx="2">
+            <a:schemeClr val="accent1">
+              <a:shade val="50000"/>
+            </a:schemeClr>
+          </a:lnRef>
+          <a:fillRef idx="1">
+            <a:schemeClr val="accent1"/>
+          </a:fillRef>
+          <a:effectRef idx="0">
+            <a:schemeClr val="accent1"/>
+          </a:effectRef>
+          <a:fontRef idx="minor">
+            <a:schemeClr val="lt1"/>
+          </a:fontRef>
+        </p:style>
+        <p:txBody>
+          <a:bodyPr rtlCol="0" anchor="ctr"/>
+          <a:lstStyle/>
+          <a:p>
+            <a:pPr algn="ctr"/>
+            <a:endParaRPr lang="en-US"/>
+          </a:p>
+        </p:txBody>
+      </p:sp>
+      <p:graphicFrame>
+        <p:nvGraphicFramePr>
+          <p:cNvPr id="36" name="Table 35">
+            <a:extLst>
+              <a:ext uri="{FF2B5EF4-FFF2-40B4-BE49-F238E27FC236}">
+                <a16:creationId xmlns:a16="http://schemas.microsoft.com/office/drawing/2014/main" id="{C44ADBEB-CB0D-462D-AE85-91E50F268C3E}"/>
+              </a:ext>
+            </a:extLst>
+          </p:cNvPr>
+          <p:cNvGraphicFramePr>
+            <a:graphicFrameLocks noGrp="1"/>
+          </p:cNvGraphicFramePr>
+          <p:nvPr>
+            <p:extLst>
+              <p:ext uri="{D42A27DB-BD31-4B8C-83A1-F6EECF244321}">
+                <p14:modId xmlns:p14="http://schemas.microsoft.com/office/powerpoint/2010/main" val="1612804097"/>
+              </p:ext>
+            </p:extLst>
+          </p:nvPr>
+        </p:nvGraphicFramePr>
+        <p:xfrm>
+          <a:off x="2675472" y="1457178"/>
+          <a:ext cx="2096326" cy="410363"/>
+        </p:xfrm>
+        <a:graphic>
+          <a:graphicData uri="http://schemas.openxmlformats.org/drawingml/2006/table">
+            <a:tbl>
+              <a:tblPr>
+                <a:tableStyleId>{638B1855-1B75-4FBE-930C-398BA8C253C6}</a:tableStyleId>
+              </a:tblPr>
+              <a:tblGrid>
+                <a:gridCol w="2096326">
+                  <a:extLst>
+                    <a:ext uri="{9D8B030D-6E8A-4147-A177-3AD203B41FA5}">
+                      <a16:colId xmlns:a16="http://schemas.microsoft.com/office/drawing/2014/main" val="4240773277"/>
+                    </a:ext>
+                  </a:extLst>
+                </a:gridCol>
+              </a:tblGrid>
+              <a:tr h="410363">
+                <a:tc>
+                  <a:txBody>
+                    <a:bodyPr/>
+                    <a:lstStyle/>
+                    <a:p>
+                      <a:pPr algn="ctr"/>
+                      <a:r>
+                        <a:rPr lang="en-SG" u="sng" dirty="0"/>
+                        <a:t>tdl1:</a:t>
+                      </a:r>
+                      <a:r>
+                        <a:rPr lang="en-SG" sz="1800" u="sng" dirty="0"/>
+                        <a:t>TrackedDataList</a:t>
+                      </a:r>
+                      <a:endParaRPr lang="en-SG" sz="1600" u="sng" dirty="0"/>
                     </a:p>
                   </a:txBody>
                   <a:tcPr/>
@@ -3774,10 +3968,10 @@
       </p:graphicFrame>
       <p:graphicFrame>
         <p:nvGraphicFramePr>
-          <p:cNvPr id="20" name="Table 19">
-            <a:extLst>
-              <a:ext uri="{FF2B5EF4-FFF2-40B4-BE49-F238E27FC236}">
-                <a16:creationId xmlns:a16="http://schemas.microsoft.com/office/drawing/2014/main" id="{F545FAB8-F1CE-4886-9BDE-E772BCB0A9C4}"/>
+          <p:cNvPr id="37" name="Table 36">
+            <a:extLst>
+              <a:ext uri="{FF2B5EF4-FFF2-40B4-BE49-F238E27FC236}">
+                <a16:creationId xmlns:a16="http://schemas.microsoft.com/office/drawing/2014/main" id="{E3670BA8-BD2C-4A08-BA5A-466BBB191890}"/>
               </a:ext>
             </a:extLst>
           </p:cNvPr>
@@ -3787,14 +3981,14 @@
           <p:nvPr>
             <p:extLst>
               <p:ext uri="{D42A27DB-BD31-4B8C-83A1-F6EECF244321}">
-                <p14:modId xmlns:p14="http://schemas.microsoft.com/office/powerpoint/2010/main" val="3504448791"/>
+                <p14:modId xmlns:p14="http://schemas.microsoft.com/office/powerpoint/2010/main" val="2394192014"/>
               </p:ext>
             </p:extLst>
           </p:nvPr>
         </p:nvGraphicFramePr>
         <p:xfrm>
-          <a:off x="4409785" y="1476102"/>
-          <a:ext cx="1825824" cy="417888"/>
+          <a:off x="2675472" y="794548"/>
+          <a:ext cx="2096326" cy="410363"/>
         </p:xfrm>
         <a:graphic>
           <a:graphicData uri="http://schemas.openxmlformats.org/drawingml/2006/table">
@@ -3803,7 +3997,7 @@
                 <a:tableStyleId>{638B1855-1B75-4FBE-930C-398BA8C253C6}</a:tableStyleId>
               </a:tblPr>
               <a:tblGrid>
-                <a:gridCol w="1825824">
+                <a:gridCol w="2096326">
                   <a:extLst>
                     <a:ext uri="{9D8B030D-6E8A-4147-A177-3AD203B41FA5}">
                       <a16:colId xmlns:a16="http://schemas.microsoft.com/office/drawing/2014/main" val="4240773277"/>
@@ -3811,21 +4005,22 @@
                   </a:extLst>
                 </a:gridCol>
               </a:tblGrid>
-              <a:tr h="417888">
+              <a:tr h="410363">
                 <a:tc>
                   <a:txBody>
                     <a:bodyPr/>
                     <a:lstStyle/>
                     <a:p>
+                      <a:pPr algn="ctr"/>
                       <a:r>
                         <a:rPr lang="en-SG" u="sng" dirty="0"/>
-                        <a:t>ab2:</a:t>
+                        <a:t>td1:</a:t>
                       </a:r>
                       <a:r>
                         <a:rPr lang="en-SG" sz="1800" u="sng" dirty="0"/>
-                        <a:t>AddressBook</a:t>
+                        <a:t>TrackedData</a:t>
                       </a:r>
-                      <a:endParaRPr lang="en-SG" u="sng" dirty="0"/>
+                      <a:endParaRPr lang="en-SG" sz="1600" u="sng" dirty="0"/>
                     </a:p>
                   </a:txBody>
                   <a:tcPr/>
@@ -3842,10 +4037,10 @@
       </p:graphicFrame>
       <p:graphicFrame>
         <p:nvGraphicFramePr>
-          <p:cNvPr id="21" name="Table 20">
-            <a:extLst>
-              <a:ext uri="{FF2B5EF4-FFF2-40B4-BE49-F238E27FC236}">
-                <a16:creationId xmlns:a16="http://schemas.microsoft.com/office/drawing/2014/main" id="{F545FAB8-F1CE-4886-9BDE-E772BCB0A9C4}"/>
+          <p:cNvPr id="39" name="Table 38">
+            <a:extLst>
+              <a:ext uri="{FF2B5EF4-FFF2-40B4-BE49-F238E27FC236}">
+                <a16:creationId xmlns:a16="http://schemas.microsoft.com/office/drawing/2014/main" id="{0DA30EA8-F749-464D-83DF-F902358ECB0B}"/>
               </a:ext>
             </a:extLst>
           </p:cNvPr>
@@ -3855,14 +4050,14 @@
           <p:nvPr>
             <p:extLst>
               <p:ext uri="{D42A27DB-BD31-4B8C-83A1-F6EECF244321}">
-                <p14:modId xmlns:p14="http://schemas.microsoft.com/office/powerpoint/2010/main" val="3880678430"/>
+                <p14:modId xmlns:p14="http://schemas.microsoft.com/office/powerpoint/2010/main" val="2369271113"/>
               </p:ext>
             </p:extLst>
           </p:nvPr>
         </p:nvGraphicFramePr>
         <p:xfrm>
-          <a:off x="473240" y="3922133"/>
-          <a:ext cx="1825824" cy="417888"/>
+          <a:off x="2675472" y="124376"/>
+          <a:ext cx="2096326" cy="410363"/>
         </p:xfrm>
         <a:graphic>
           <a:graphicData uri="http://schemas.openxmlformats.org/drawingml/2006/table">
@@ -3871,7 +4066,7 @@
                 <a:tableStyleId>{638B1855-1B75-4FBE-930C-398BA8C253C6}</a:tableStyleId>
               </a:tblPr>
               <a:tblGrid>
-                <a:gridCol w="1825824">
+                <a:gridCol w="2096326">
                   <a:extLst>
                     <a:ext uri="{9D8B030D-6E8A-4147-A177-3AD203B41FA5}">
                       <a16:colId xmlns:a16="http://schemas.microsoft.com/office/drawing/2014/main" val="4240773277"/>
@@ -3879,21 +4074,22 @@
                   </a:extLst>
                 </a:gridCol>
               </a:tblGrid>
-              <a:tr h="417888">
+              <a:tr h="410363">
                 <a:tc>
                   <a:txBody>
                     <a:bodyPr/>
                     <a:lstStyle/>
                     <a:p>
+                      <a:pPr algn="ctr"/>
                       <a:r>
                         <a:rPr lang="en-SG" u="sng" dirty="0"/>
-                        <a:t>ab0:</a:t>
+                        <a:t>wb1:</a:t>
                       </a:r>
                       <a:r>
                         <a:rPr lang="en-SG" sz="1800" u="sng" dirty="0"/>
-                        <a:t>AddressBook</a:t>
+                        <a:t>WorkoutBook</a:t>
                       </a:r>
-                      <a:endParaRPr lang="en-SG" u="sng" dirty="0"/>
+                      <a:endParaRPr lang="en-SG" sz="1600" u="sng" dirty="0"/>
                     </a:p>
                   </a:txBody>
                   <a:tcPr/>
@@ -3910,10 +4106,10 @@
       </p:graphicFrame>
       <p:graphicFrame>
         <p:nvGraphicFramePr>
-          <p:cNvPr id="22" name="Table 21">
-            <a:extLst>
-              <a:ext uri="{FF2B5EF4-FFF2-40B4-BE49-F238E27FC236}">
-                <a16:creationId xmlns:a16="http://schemas.microsoft.com/office/drawing/2014/main" id="{F545FAB8-F1CE-4886-9BDE-E772BCB0A9C4}"/>
+          <p:cNvPr id="40" name="Table 39">
+            <a:extLst>
+              <a:ext uri="{FF2B5EF4-FFF2-40B4-BE49-F238E27FC236}">
+                <a16:creationId xmlns:a16="http://schemas.microsoft.com/office/drawing/2014/main" id="{8392551B-C478-44A8-ACD8-F974D4693362}"/>
               </a:ext>
             </a:extLst>
           </p:cNvPr>
@@ -3923,14 +4119,14 @@
           <p:nvPr>
             <p:extLst>
               <p:ext uri="{D42A27DB-BD31-4B8C-83A1-F6EECF244321}">
-                <p14:modId xmlns:p14="http://schemas.microsoft.com/office/powerpoint/2010/main" val="719723626"/>
+                <p14:modId xmlns:p14="http://schemas.microsoft.com/office/powerpoint/2010/main" val="14853040"/>
               </p:ext>
             </p:extLst>
           </p:nvPr>
         </p:nvGraphicFramePr>
         <p:xfrm>
-          <a:off x="2440458" y="3922133"/>
-          <a:ext cx="1825824" cy="417888"/>
+          <a:off x="4869741" y="1458657"/>
+          <a:ext cx="2096326" cy="410363"/>
         </p:xfrm>
         <a:graphic>
           <a:graphicData uri="http://schemas.openxmlformats.org/drawingml/2006/table">
@@ -3939,7 +4135,7 @@
                 <a:tableStyleId>{638B1855-1B75-4FBE-930C-398BA8C253C6}</a:tableStyleId>
               </a:tblPr>
               <a:tblGrid>
-                <a:gridCol w="1825824">
+                <a:gridCol w="2096326">
                   <a:extLst>
                     <a:ext uri="{9D8B030D-6E8A-4147-A177-3AD203B41FA5}">
                       <a16:colId xmlns:a16="http://schemas.microsoft.com/office/drawing/2014/main" val="4240773277"/>
@@ -3947,21 +4143,22 @@
                   </a:extLst>
                 </a:gridCol>
               </a:tblGrid>
-              <a:tr h="417888">
+              <a:tr h="410363">
                 <a:tc>
                   <a:txBody>
                     <a:bodyPr/>
                     <a:lstStyle/>
                     <a:p>
+                      <a:pPr algn="ctr"/>
                       <a:r>
                         <a:rPr lang="en-SG" u="sng" dirty="0"/>
-                        <a:t>ab1:</a:t>
+                        <a:t>tdl2:</a:t>
                       </a:r>
                       <a:r>
                         <a:rPr lang="en-SG" sz="1800" u="sng" dirty="0"/>
-                        <a:t>AddressBook</a:t>
+                        <a:t>TrackedDataList</a:t>
                       </a:r>
-                      <a:endParaRPr lang="en-SG" u="sng" dirty="0"/>
+                      <a:endParaRPr lang="en-SG" sz="1600" u="sng" dirty="0"/>
                     </a:p>
                   </a:txBody>
                   <a:tcPr/>
@@ -3978,10 +4175,10 @@
       </p:graphicFrame>
       <p:graphicFrame>
         <p:nvGraphicFramePr>
-          <p:cNvPr id="23" name="Table 22">
-            <a:extLst>
-              <a:ext uri="{FF2B5EF4-FFF2-40B4-BE49-F238E27FC236}">
-                <a16:creationId xmlns:a16="http://schemas.microsoft.com/office/drawing/2014/main" id="{F545FAB8-F1CE-4886-9BDE-E772BCB0A9C4}"/>
+          <p:cNvPr id="41" name="Table 40">
+            <a:extLst>
+              <a:ext uri="{FF2B5EF4-FFF2-40B4-BE49-F238E27FC236}">
+                <a16:creationId xmlns:a16="http://schemas.microsoft.com/office/drawing/2014/main" id="{F215019C-B65E-43E5-9C3E-75429946401C}"/>
               </a:ext>
             </a:extLst>
           </p:cNvPr>
@@ -3991,14 +4188,14 @@
           <p:nvPr>
             <p:extLst>
               <p:ext uri="{D42A27DB-BD31-4B8C-83A1-F6EECF244321}">
-                <p14:modId xmlns:p14="http://schemas.microsoft.com/office/powerpoint/2010/main" val="3592690620"/>
+                <p14:modId xmlns:p14="http://schemas.microsoft.com/office/powerpoint/2010/main" val="886577341"/>
               </p:ext>
             </p:extLst>
           </p:nvPr>
         </p:nvGraphicFramePr>
         <p:xfrm>
-          <a:off x="4409785" y="3922133"/>
-          <a:ext cx="1825824" cy="417888"/>
+          <a:off x="4869741" y="796027"/>
+          <a:ext cx="2096326" cy="410363"/>
         </p:xfrm>
         <a:graphic>
           <a:graphicData uri="http://schemas.openxmlformats.org/drawingml/2006/table">
@@ -4007,7 +4204,7 @@
                 <a:tableStyleId>{638B1855-1B75-4FBE-930C-398BA8C253C6}</a:tableStyleId>
               </a:tblPr>
               <a:tblGrid>
-                <a:gridCol w="1825824">
+                <a:gridCol w="2096326">
                   <a:extLst>
                     <a:ext uri="{9D8B030D-6E8A-4147-A177-3AD203B41FA5}">
                       <a16:colId xmlns:a16="http://schemas.microsoft.com/office/drawing/2014/main" val="4240773277"/>
@@ -4015,21 +4212,22 @@
                   </a:extLst>
                 </a:gridCol>
               </a:tblGrid>
-              <a:tr h="417888">
+              <a:tr h="410363">
                 <a:tc>
                   <a:txBody>
                     <a:bodyPr/>
                     <a:lstStyle/>
                     <a:p>
+                      <a:pPr algn="ctr"/>
                       <a:r>
                         <a:rPr lang="en-SG" u="sng" dirty="0"/>
-                        <a:t>ab2:</a:t>
+                        <a:t>td2:</a:t>
                       </a:r>
                       <a:r>
                         <a:rPr lang="en-SG" sz="1800" u="sng" dirty="0"/>
-                        <a:t>AddressBook</a:t>
+                        <a:t>TrackedData</a:t>
                       </a:r>
-                      <a:endParaRPr lang="en-SG" u="sng" dirty="0"/>
+                      <a:endParaRPr lang="en-SG" sz="1600" u="sng" dirty="0"/>
                     </a:p>
                   </a:txBody>
                   <a:tcPr/>
@@ -4044,12 +4242,240 @@
           </a:graphicData>
         </a:graphic>
       </p:graphicFrame>
+      <p:graphicFrame>
+        <p:nvGraphicFramePr>
+          <p:cNvPr id="42" name="Table 41">
+            <a:extLst>
+              <a:ext uri="{FF2B5EF4-FFF2-40B4-BE49-F238E27FC236}">
+                <a16:creationId xmlns:a16="http://schemas.microsoft.com/office/drawing/2014/main" id="{C4489DFA-FD8A-4DBF-A53B-31517077209D}"/>
+              </a:ext>
+            </a:extLst>
+          </p:cNvPr>
+          <p:cNvGraphicFramePr>
+            <a:graphicFrameLocks noGrp="1"/>
+          </p:cNvGraphicFramePr>
+          <p:nvPr>
+            <p:extLst>
+              <p:ext uri="{D42A27DB-BD31-4B8C-83A1-F6EECF244321}">
+                <p14:modId xmlns:p14="http://schemas.microsoft.com/office/powerpoint/2010/main" val="541700171"/>
+              </p:ext>
+            </p:extLst>
+          </p:nvPr>
+        </p:nvGraphicFramePr>
+        <p:xfrm>
+          <a:off x="4869741" y="125855"/>
+          <a:ext cx="2096326" cy="410363"/>
+        </p:xfrm>
+        <a:graphic>
+          <a:graphicData uri="http://schemas.openxmlformats.org/drawingml/2006/table">
+            <a:tbl>
+              <a:tblPr>
+                <a:tableStyleId>{638B1855-1B75-4FBE-930C-398BA8C253C6}</a:tableStyleId>
+              </a:tblPr>
+              <a:tblGrid>
+                <a:gridCol w="2096326">
+                  <a:extLst>
+                    <a:ext uri="{9D8B030D-6E8A-4147-A177-3AD203B41FA5}">
+                      <a16:colId xmlns:a16="http://schemas.microsoft.com/office/drawing/2014/main" val="4240773277"/>
+                    </a:ext>
+                  </a:extLst>
+                </a:gridCol>
+              </a:tblGrid>
+              <a:tr h="410363">
+                <a:tc>
+                  <a:txBody>
+                    <a:bodyPr/>
+                    <a:lstStyle/>
+                    <a:p>
+                      <a:pPr algn="ctr"/>
+                      <a:r>
+                        <a:rPr lang="en-SG" u="sng" dirty="0"/>
+                        <a:t>wb2:</a:t>
+                      </a:r>
+                      <a:r>
+                        <a:rPr lang="en-SG" sz="1800" u="sng" dirty="0"/>
+                        <a:t>WorkoutBook</a:t>
+                      </a:r>
+                      <a:endParaRPr lang="en-SG" sz="1600" u="sng" dirty="0"/>
+                    </a:p>
+                  </a:txBody>
+                  <a:tcPr/>
+                </a:tc>
+                <a:extLst>
+                  <a:ext uri="{0D108BD9-81ED-4DB2-BD59-A6C34878D82A}">
+                    <a16:rowId xmlns:a16="http://schemas.microsoft.com/office/drawing/2014/main" val="2194462629"/>
+                  </a:ext>
+                </a:extLst>
+              </a:tr>
+            </a:tbl>
+          </a:graphicData>
+        </a:graphic>
+      </p:graphicFrame>
+      <p:sp>
+        <p:nvSpPr>
+          <p:cNvPr id="57" name="TextBox 56">
+            <a:extLst>
+              <a:ext uri="{FF2B5EF4-FFF2-40B4-BE49-F238E27FC236}">
+                <a16:creationId xmlns:a16="http://schemas.microsoft.com/office/drawing/2014/main" id="{82C0E998-49FB-4A17-828D-CA4B843EDFE6}"/>
+              </a:ext>
+            </a:extLst>
+          </p:cNvPr>
+          <p:cNvSpPr txBox="1"/>
+          <p:nvPr/>
+        </p:nvSpPr>
+        <p:spPr>
+          <a:xfrm>
+            <a:off x="2224788" y="6464441"/>
+            <a:ext cx="3207000" cy="369332"/>
+          </a:xfrm>
+          <a:prstGeom prst="rect">
+            <a:avLst/>
+          </a:prstGeom>
+          <a:noFill/>
+        </p:spPr>
+        <p:txBody>
+          <a:bodyPr wrap="square" rtlCol="0">
+            <a:spAutoFit/>
+          </a:bodyPr>
+          <a:lstStyle/>
+          <a:p>
+            <a:pPr algn="ctr"/>
+            <a:r>
+              <a:rPr lang="en-SG" dirty="0">
+                <a:latin typeface="Consolas" panose="020B0609020204030204" pitchFamily="49" charset="0"/>
+              </a:rPr>
+              <a:t>currentStatePointer = 1</a:t>
+            </a:r>
+          </a:p>
+        </p:txBody>
+      </p:sp>
+      <p:graphicFrame>
+        <p:nvGraphicFramePr>
+          <p:cNvPr id="58" name="Table 57">
+            <a:extLst>
+              <a:ext uri="{FF2B5EF4-FFF2-40B4-BE49-F238E27FC236}">
+                <a16:creationId xmlns:a16="http://schemas.microsoft.com/office/drawing/2014/main" id="{1AA01A4D-83CE-456B-A533-3619BEDFFC18}"/>
+              </a:ext>
+            </a:extLst>
+          </p:cNvPr>
+          <p:cNvGraphicFramePr>
+            <a:graphicFrameLocks noGrp="1"/>
+          </p:cNvGraphicFramePr>
+          <p:nvPr>
+            <p:extLst>
+              <p:ext uri="{D42A27DB-BD31-4B8C-83A1-F6EECF244321}">
+                <p14:modId xmlns:p14="http://schemas.microsoft.com/office/powerpoint/2010/main" val="2172094225"/>
+              </p:ext>
+            </p:extLst>
+          </p:nvPr>
+        </p:nvGraphicFramePr>
+        <p:xfrm>
+          <a:off x="522099" y="5145198"/>
+          <a:ext cx="2096326" cy="410363"/>
+        </p:xfrm>
+        <a:graphic>
+          <a:graphicData uri="http://schemas.openxmlformats.org/drawingml/2006/table">
+            <a:tbl>
+              <a:tblPr>
+                <a:tableStyleId>{638B1855-1B75-4FBE-930C-398BA8C253C6}</a:tableStyleId>
+              </a:tblPr>
+              <a:tblGrid>
+                <a:gridCol w="2096326">
+                  <a:extLst>
+                    <a:ext uri="{9D8B030D-6E8A-4147-A177-3AD203B41FA5}">
+                      <a16:colId xmlns:a16="http://schemas.microsoft.com/office/drawing/2014/main" val="4240773277"/>
+                    </a:ext>
+                  </a:extLst>
+                </a:gridCol>
+              </a:tblGrid>
+              <a:tr h="410363">
+                <a:tc>
+                  <a:txBody>
+                    <a:bodyPr/>
+                    <a:lstStyle/>
+                    <a:p>
+                      <a:pPr algn="ctr"/>
+                      <a:r>
+                        <a:rPr lang="en-SG" u="sng" dirty="0"/>
+                        <a:t>tdl0:</a:t>
+                      </a:r>
+                      <a:r>
+                        <a:rPr lang="en-SG" sz="1800" u="sng" dirty="0"/>
+                        <a:t>TrackedDataList</a:t>
+                      </a:r>
+                      <a:endParaRPr lang="en-SG" sz="1600" u="sng" dirty="0"/>
+                    </a:p>
+                  </a:txBody>
+                  <a:tcPr/>
+                </a:tc>
+                <a:extLst>
+                  <a:ext uri="{0D108BD9-81ED-4DB2-BD59-A6C34878D82A}">
+                    <a16:rowId xmlns:a16="http://schemas.microsoft.com/office/drawing/2014/main" val="2194462629"/>
+                  </a:ext>
+                </a:extLst>
+              </a:tr>
+            </a:tbl>
+          </a:graphicData>
+        </a:graphic>
+      </p:graphicFrame>
+      <p:sp>
+        <p:nvSpPr>
+          <p:cNvPr id="59" name="Rectangle 58">
+            <a:extLst>
+              <a:ext uri="{FF2B5EF4-FFF2-40B4-BE49-F238E27FC236}">
+                <a16:creationId xmlns:a16="http://schemas.microsoft.com/office/drawing/2014/main" id="{2B8387D7-9C7F-4F26-889B-F528054BAEE5}"/>
+              </a:ext>
+            </a:extLst>
+          </p:cNvPr>
+          <p:cNvSpPr/>
+          <p:nvPr/>
+        </p:nvSpPr>
+        <p:spPr>
+          <a:xfrm>
+            <a:off x="413657" y="5045049"/>
+            <a:ext cx="11364686" cy="618187"/>
+          </a:xfrm>
+          <a:prstGeom prst="rect">
+            <a:avLst/>
+          </a:prstGeom>
+          <a:noFill/>
+          <a:ln>
+            <a:solidFill>
+              <a:schemeClr val="tx1"/>
+            </a:solidFill>
+          </a:ln>
+        </p:spPr>
+        <p:style>
+          <a:lnRef idx="2">
+            <a:schemeClr val="accent1">
+              <a:shade val="50000"/>
+            </a:schemeClr>
+          </a:lnRef>
+          <a:fillRef idx="1">
+            <a:schemeClr val="accent1"/>
+          </a:fillRef>
+          <a:effectRef idx="0">
+            <a:schemeClr val="accent1"/>
+          </a:effectRef>
+          <a:fontRef idx="minor">
+            <a:schemeClr val="lt1"/>
+          </a:fontRef>
+        </p:style>
+        <p:txBody>
+          <a:bodyPr rtlCol="0" anchor="ctr"/>
+          <a:lstStyle/>
+          <a:p>
+            <a:pPr algn="ctr"/>
+            <a:endParaRPr lang="en-US"/>
+          </a:p>
+        </p:txBody>
+      </p:sp>
       <p:cxnSp>
         <p:nvCxnSpPr>
-          <p:cNvPr id="19" name="Straight Arrow Connector 18">
-            <a:extLst>
-              <a:ext uri="{FF2B5EF4-FFF2-40B4-BE49-F238E27FC236}">
-                <a16:creationId xmlns:a16="http://schemas.microsoft.com/office/drawing/2014/main" id="{DC8F2CFA-FFF8-41BD-B884-8ACDF8C96486}"/>
+          <p:cNvPr id="60" name="Straight Arrow Connector 59">
+            <a:extLst>
+              <a:ext uri="{FF2B5EF4-FFF2-40B4-BE49-F238E27FC236}">
+                <a16:creationId xmlns:a16="http://schemas.microsoft.com/office/drawing/2014/main" id="{CAA46870-C106-4B70-89F3-379DC0B7D6E3}"/>
               </a:ext>
             </a:extLst>
           </p:cNvPr>
@@ -4060,7 +4486,7 @@
         </p:nvCxnSpPr>
         <p:spPr>
           <a:xfrm flipV="1">
-            <a:off x="5377343" y="2019157"/>
+            <a:off x="3738887" y="5751977"/>
             <a:ext cx="0" cy="706873"/>
           </a:xfrm>
           <a:prstGeom prst="straightConnector1">
@@ -4088,50 +4514,662 @@
           </a:fontRef>
         </p:style>
       </p:cxnSp>
-      <p:cxnSp>
-        <p:nvCxnSpPr>
-          <p:cNvPr id="25" name="Straight Arrow Connector 24">
-            <a:extLst>
-              <a:ext uri="{FF2B5EF4-FFF2-40B4-BE49-F238E27FC236}">
-                <a16:creationId xmlns:a16="http://schemas.microsoft.com/office/drawing/2014/main" id="{CC39FF7A-ED45-4697-B75C-01E9C1C55F2A}"/>
-              </a:ext>
-            </a:extLst>
-          </p:cNvPr>
-          <p:cNvCxnSpPr>
-            <a:cxnSpLocks/>
-          </p:cNvCxnSpPr>
+      <p:graphicFrame>
+        <p:nvGraphicFramePr>
+          <p:cNvPr id="61" name="Table 60">
+            <a:extLst>
+              <a:ext uri="{FF2B5EF4-FFF2-40B4-BE49-F238E27FC236}">
+                <a16:creationId xmlns:a16="http://schemas.microsoft.com/office/drawing/2014/main" id="{67DB43FC-245E-4807-A04B-6916583B4908}"/>
+              </a:ext>
+            </a:extLst>
+          </p:cNvPr>
+          <p:cNvGraphicFramePr>
+            <a:graphicFrameLocks noGrp="1"/>
+          </p:cNvGraphicFramePr>
+          <p:nvPr>
+            <p:extLst>
+              <p:ext uri="{D42A27DB-BD31-4B8C-83A1-F6EECF244321}">
+                <p14:modId xmlns:p14="http://schemas.microsoft.com/office/powerpoint/2010/main" val="585498747"/>
+              </p:ext>
+            </p:extLst>
+          </p:nvPr>
+        </p:nvGraphicFramePr>
+        <p:xfrm>
+          <a:off x="522099" y="4482568"/>
+          <a:ext cx="2096326" cy="410363"/>
+        </p:xfrm>
+        <a:graphic>
+          <a:graphicData uri="http://schemas.openxmlformats.org/drawingml/2006/table">
+            <a:tbl>
+              <a:tblPr>
+                <a:tableStyleId>{638B1855-1B75-4FBE-930C-398BA8C253C6}</a:tableStyleId>
+              </a:tblPr>
+              <a:tblGrid>
+                <a:gridCol w="2096326">
+                  <a:extLst>
+                    <a:ext uri="{9D8B030D-6E8A-4147-A177-3AD203B41FA5}">
+                      <a16:colId xmlns:a16="http://schemas.microsoft.com/office/drawing/2014/main" val="4240773277"/>
+                    </a:ext>
+                  </a:extLst>
+                </a:gridCol>
+              </a:tblGrid>
+              <a:tr h="410363">
+                <a:tc>
+                  <a:txBody>
+                    <a:bodyPr/>
+                    <a:lstStyle/>
+                    <a:p>
+                      <a:pPr algn="ctr"/>
+                      <a:r>
+                        <a:rPr lang="en-SG" u="sng" dirty="0"/>
+                        <a:t>td0:</a:t>
+                      </a:r>
+                      <a:r>
+                        <a:rPr lang="en-SG" sz="1800" u="sng" dirty="0"/>
+                        <a:t>TrackedData</a:t>
+                      </a:r>
+                      <a:endParaRPr lang="en-SG" sz="1600" u="sng" dirty="0"/>
+                    </a:p>
+                  </a:txBody>
+                  <a:tcPr/>
+                </a:tc>
+                <a:extLst>
+                  <a:ext uri="{0D108BD9-81ED-4DB2-BD59-A6C34878D82A}">
+                    <a16:rowId xmlns:a16="http://schemas.microsoft.com/office/drawing/2014/main" val="2194462629"/>
+                  </a:ext>
+                </a:extLst>
+              </a:tr>
+            </a:tbl>
+          </a:graphicData>
+        </a:graphic>
+      </p:graphicFrame>
+      <p:sp>
+        <p:nvSpPr>
+          <p:cNvPr id="62" name="Rectangle 61">
+            <a:extLst>
+              <a:ext uri="{FF2B5EF4-FFF2-40B4-BE49-F238E27FC236}">
+                <a16:creationId xmlns:a16="http://schemas.microsoft.com/office/drawing/2014/main" id="{6AE8B4BA-C4FF-4C30-88A6-67A7C3B3C72A}"/>
+              </a:ext>
+            </a:extLst>
+          </p:cNvPr>
+          <p:cNvSpPr/>
           <p:nvPr/>
-        </p:nvCxnSpPr>
+        </p:nvSpPr>
         <p:spPr>
-          <a:xfrm flipV="1">
-            <a:off x="3380763" y="4504888"/>
-            <a:ext cx="0" cy="730001"/>
+          <a:xfrm>
+            <a:off x="413657" y="4382419"/>
+            <a:ext cx="11364686" cy="618187"/>
           </a:xfrm>
-          <a:prstGeom prst="straightConnector1">
+          <a:prstGeom prst="rect">
             <a:avLst/>
           </a:prstGeom>
+          <a:noFill/>
           <a:ln>
             <a:solidFill>
-              <a:srgbClr val="C00000"/>
+              <a:schemeClr val="tx1"/>
             </a:solidFill>
-            <a:tailEnd type="triangle"/>
           </a:ln>
         </p:spPr>
         <p:style>
-          <a:lnRef idx="1">
-            <a:schemeClr val="accent1"/>
+          <a:lnRef idx="2">
+            <a:schemeClr val="accent1">
+              <a:shade val="50000"/>
+            </a:schemeClr>
           </a:lnRef>
-          <a:fillRef idx="0">
+          <a:fillRef idx="1">
             <a:schemeClr val="accent1"/>
           </a:fillRef>
           <a:effectRef idx="0">
             <a:schemeClr val="accent1"/>
           </a:effectRef>
           <a:fontRef idx="minor">
-            <a:schemeClr val="tx1"/>
+            <a:schemeClr val="lt1"/>
           </a:fontRef>
         </p:style>
-      </p:cxnSp>
+        <p:txBody>
+          <a:bodyPr rtlCol="0" anchor="ctr"/>
+          <a:lstStyle/>
+          <a:p>
+            <a:pPr algn="ctr"/>
+            <a:endParaRPr lang="en-US"/>
+          </a:p>
+        </p:txBody>
+      </p:sp>
+      <p:graphicFrame>
+        <p:nvGraphicFramePr>
+          <p:cNvPr id="63" name="Table 62">
+            <a:extLst>
+              <a:ext uri="{FF2B5EF4-FFF2-40B4-BE49-F238E27FC236}">
+                <a16:creationId xmlns:a16="http://schemas.microsoft.com/office/drawing/2014/main" id="{81DFF971-0B47-48FD-9617-B8A46F43361B}"/>
+              </a:ext>
+            </a:extLst>
+          </p:cNvPr>
+          <p:cNvGraphicFramePr>
+            <a:graphicFrameLocks noGrp="1"/>
+          </p:cNvGraphicFramePr>
+          <p:nvPr>
+            <p:extLst>
+              <p:ext uri="{D42A27DB-BD31-4B8C-83A1-F6EECF244321}">
+                <p14:modId xmlns:p14="http://schemas.microsoft.com/office/powerpoint/2010/main" val="2774688023"/>
+              </p:ext>
+            </p:extLst>
+          </p:nvPr>
+        </p:nvGraphicFramePr>
+        <p:xfrm>
+          <a:off x="522099" y="3812396"/>
+          <a:ext cx="2096326" cy="410363"/>
+        </p:xfrm>
+        <a:graphic>
+          <a:graphicData uri="http://schemas.openxmlformats.org/drawingml/2006/table">
+            <a:tbl>
+              <a:tblPr>
+                <a:tableStyleId>{638B1855-1B75-4FBE-930C-398BA8C253C6}</a:tableStyleId>
+              </a:tblPr>
+              <a:tblGrid>
+                <a:gridCol w="2096326">
+                  <a:extLst>
+                    <a:ext uri="{9D8B030D-6E8A-4147-A177-3AD203B41FA5}">
+                      <a16:colId xmlns:a16="http://schemas.microsoft.com/office/drawing/2014/main" val="4240773277"/>
+                    </a:ext>
+                  </a:extLst>
+                </a:gridCol>
+              </a:tblGrid>
+              <a:tr h="410363">
+                <a:tc>
+                  <a:txBody>
+                    <a:bodyPr/>
+                    <a:lstStyle/>
+                    <a:p>
+                      <a:pPr algn="ctr"/>
+                      <a:r>
+                        <a:rPr lang="en-SG" u="sng" dirty="0"/>
+                        <a:t>wb0:</a:t>
+                      </a:r>
+                      <a:r>
+                        <a:rPr lang="en-SG" sz="1800" u="sng" dirty="0"/>
+                        <a:t>WorkoutBook</a:t>
+                      </a:r>
+                      <a:endParaRPr lang="en-SG" sz="1600" u="sng" dirty="0"/>
+                    </a:p>
+                  </a:txBody>
+                  <a:tcPr/>
+                </a:tc>
+                <a:extLst>
+                  <a:ext uri="{0D108BD9-81ED-4DB2-BD59-A6C34878D82A}">
+                    <a16:rowId xmlns:a16="http://schemas.microsoft.com/office/drawing/2014/main" val="2194462629"/>
+                  </a:ext>
+                </a:extLst>
+              </a:tr>
+            </a:tbl>
+          </a:graphicData>
+        </a:graphic>
+      </p:graphicFrame>
+      <p:sp>
+        <p:nvSpPr>
+          <p:cNvPr id="64" name="Rectangle 63">
+            <a:extLst>
+              <a:ext uri="{FF2B5EF4-FFF2-40B4-BE49-F238E27FC236}">
+                <a16:creationId xmlns:a16="http://schemas.microsoft.com/office/drawing/2014/main" id="{F0960E32-1B03-43C8-9CF5-20A16E05AF92}"/>
+              </a:ext>
+            </a:extLst>
+          </p:cNvPr>
+          <p:cNvSpPr/>
+          <p:nvPr/>
+        </p:nvSpPr>
+        <p:spPr>
+          <a:xfrm>
+            <a:off x="413657" y="3712247"/>
+            <a:ext cx="11364686" cy="618187"/>
+          </a:xfrm>
+          <a:prstGeom prst="rect">
+            <a:avLst/>
+          </a:prstGeom>
+          <a:noFill/>
+          <a:ln>
+            <a:solidFill>
+              <a:schemeClr val="tx1"/>
+            </a:solidFill>
+          </a:ln>
+        </p:spPr>
+        <p:style>
+          <a:lnRef idx="2">
+            <a:schemeClr val="accent1">
+              <a:shade val="50000"/>
+            </a:schemeClr>
+          </a:lnRef>
+          <a:fillRef idx="1">
+            <a:schemeClr val="accent1"/>
+          </a:fillRef>
+          <a:effectRef idx="0">
+            <a:schemeClr val="accent1"/>
+          </a:effectRef>
+          <a:fontRef idx="minor">
+            <a:schemeClr val="lt1"/>
+          </a:fontRef>
+        </p:style>
+        <p:txBody>
+          <a:bodyPr rtlCol="0" anchor="ctr"/>
+          <a:lstStyle/>
+          <a:p>
+            <a:pPr algn="ctr"/>
+            <a:endParaRPr lang="en-US"/>
+          </a:p>
+        </p:txBody>
+      </p:sp>
+      <p:graphicFrame>
+        <p:nvGraphicFramePr>
+          <p:cNvPr id="65" name="Table 64">
+            <a:extLst>
+              <a:ext uri="{FF2B5EF4-FFF2-40B4-BE49-F238E27FC236}">
+                <a16:creationId xmlns:a16="http://schemas.microsoft.com/office/drawing/2014/main" id="{31C5CDEF-601A-4747-B3C3-F3EE850564B0}"/>
+              </a:ext>
+            </a:extLst>
+          </p:cNvPr>
+          <p:cNvGraphicFramePr>
+            <a:graphicFrameLocks noGrp="1"/>
+          </p:cNvGraphicFramePr>
+          <p:nvPr>
+            <p:extLst>
+              <p:ext uri="{D42A27DB-BD31-4B8C-83A1-F6EECF244321}">
+                <p14:modId xmlns:p14="http://schemas.microsoft.com/office/powerpoint/2010/main" val="4011208612"/>
+              </p:ext>
+            </p:extLst>
+          </p:nvPr>
+        </p:nvGraphicFramePr>
+        <p:xfrm>
+          <a:off x="2726867" y="5145198"/>
+          <a:ext cx="2096326" cy="410363"/>
+        </p:xfrm>
+        <a:graphic>
+          <a:graphicData uri="http://schemas.openxmlformats.org/drawingml/2006/table">
+            <a:tbl>
+              <a:tblPr>
+                <a:tableStyleId>{638B1855-1B75-4FBE-930C-398BA8C253C6}</a:tableStyleId>
+              </a:tblPr>
+              <a:tblGrid>
+                <a:gridCol w="2096326">
+                  <a:extLst>
+                    <a:ext uri="{9D8B030D-6E8A-4147-A177-3AD203B41FA5}">
+                      <a16:colId xmlns:a16="http://schemas.microsoft.com/office/drawing/2014/main" val="4240773277"/>
+                    </a:ext>
+                  </a:extLst>
+                </a:gridCol>
+              </a:tblGrid>
+              <a:tr h="410363">
+                <a:tc>
+                  <a:txBody>
+                    <a:bodyPr/>
+                    <a:lstStyle/>
+                    <a:p>
+                      <a:pPr algn="ctr"/>
+                      <a:r>
+                        <a:rPr lang="en-SG" u="sng" dirty="0"/>
+                        <a:t>tdl1:</a:t>
+                      </a:r>
+                      <a:r>
+                        <a:rPr lang="en-SG" sz="1800" u="sng" dirty="0"/>
+                        <a:t>TrackedDataList</a:t>
+                      </a:r>
+                      <a:endParaRPr lang="en-SG" sz="1600" u="sng" dirty="0"/>
+                    </a:p>
+                  </a:txBody>
+                  <a:tcPr/>
+                </a:tc>
+                <a:extLst>
+                  <a:ext uri="{0D108BD9-81ED-4DB2-BD59-A6C34878D82A}">
+                    <a16:rowId xmlns:a16="http://schemas.microsoft.com/office/drawing/2014/main" val="2194462629"/>
+                  </a:ext>
+                </a:extLst>
+              </a:tr>
+            </a:tbl>
+          </a:graphicData>
+        </a:graphic>
+      </p:graphicFrame>
+      <p:graphicFrame>
+        <p:nvGraphicFramePr>
+          <p:cNvPr id="66" name="Table 65">
+            <a:extLst>
+              <a:ext uri="{FF2B5EF4-FFF2-40B4-BE49-F238E27FC236}">
+                <a16:creationId xmlns:a16="http://schemas.microsoft.com/office/drawing/2014/main" id="{5A732116-5AFF-4DF9-8C28-2A781B09896C}"/>
+              </a:ext>
+            </a:extLst>
+          </p:cNvPr>
+          <p:cNvGraphicFramePr>
+            <a:graphicFrameLocks noGrp="1"/>
+          </p:cNvGraphicFramePr>
+          <p:nvPr>
+            <p:extLst>
+              <p:ext uri="{D42A27DB-BD31-4B8C-83A1-F6EECF244321}">
+                <p14:modId xmlns:p14="http://schemas.microsoft.com/office/powerpoint/2010/main" val="2200762830"/>
+              </p:ext>
+            </p:extLst>
+          </p:nvPr>
+        </p:nvGraphicFramePr>
+        <p:xfrm>
+          <a:off x="2726867" y="4482568"/>
+          <a:ext cx="2096326" cy="410363"/>
+        </p:xfrm>
+        <a:graphic>
+          <a:graphicData uri="http://schemas.openxmlformats.org/drawingml/2006/table">
+            <a:tbl>
+              <a:tblPr>
+                <a:tableStyleId>{638B1855-1B75-4FBE-930C-398BA8C253C6}</a:tableStyleId>
+              </a:tblPr>
+              <a:tblGrid>
+                <a:gridCol w="2096326">
+                  <a:extLst>
+                    <a:ext uri="{9D8B030D-6E8A-4147-A177-3AD203B41FA5}">
+                      <a16:colId xmlns:a16="http://schemas.microsoft.com/office/drawing/2014/main" val="4240773277"/>
+                    </a:ext>
+                  </a:extLst>
+                </a:gridCol>
+              </a:tblGrid>
+              <a:tr h="410363">
+                <a:tc>
+                  <a:txBody>
+                    <a:bodyPr/>
+                    <a:lstStyle/>
+                    <a:p>
+                      <a:pPr algn="ctr"/>
+                      <a:r>
+                        <a:rPr lang="en-SG" u="sng" dirty="0"/>
+                        <a:t>td1:</a:t>
+                      </a:r>
+                      <a:r>
+                        <a:rPr lang="en-SG" sz="1800" u="sng" dirty="0"/>
+                        <a:t>TrackedData</a:t>
+                      </a:r>
+                      <a:endParaRPr lang="en-SG" sz="1600" u="sng" dirty="0"/>
+                    </a:p>
+                  </a:txBody>
+                  <a:tcPr/>
+                </a:tc>
+                <a:extLst>
+                  <a:ext uri="{0D108BD9-81ED-4DB2-BD59-A6C34878D82A}">
+                    <a16:rowId xmlns:a16="http://schemas.microsoft.com/office/drawing/2014/main" val="2194462629"/>
+                  </a:ext>
+                </a:extLst>
+              </a:tr>
+            </a:tbl>
+          </a:graphicData>
+        </a:graphic>
+      </p:graphicFrame>
+      <p:graphicFrame>
+        <p:nvGraphicFramePr>
+          <p:cNvPr id="67" name="Table 66">
+            <a:extLst>
+              <a:ext uri="{FF2B5EF4-FFF2-40B4-BE49-F238E27FC236}">
+                <a16:creationId xmlns:a16="http://schemas.microsoft.com/office/drawing/2014/main" id="{290BAE87-3575-4857-942F-828BAD1F0C8D}"/>
+              </a:ext>
+            </a:extLst>
+          </p:cNvPr>
+          <p:cNvGraphicFramePr>
+            <a:graphicFrameLocks noGrp="1"/>
+          </p:cNvGraphicFramePr>
+          <p:nvPr>
+            <p:extLst>
+              <p:ext uri="{D42A27DB-BD31-4B8C-83A1-F6EECF244321}">
+                <p14:modId xmlns:p14="http://schemas.microsoft.com/office/powerpoint/2010/main" val="800237382"/>
+              </p:ext>
+            </p:extLst>
+          </p:nvPr>
+        </p:nvGraphicFramePr>
+        <p:xfrm>
+          <a:off x="2726867" y="3812396"/>
+          <a:ext cx="2096326" cy="410363"/>
+        </p:xfrm>
+        <a:graphic>
+          <a:graphicData uri="http://schemas.openxmlformats.org/drawingml/2006/table">
+            <a:tbl>
+              <a:tblPr>
+                <a:tableStyleId>{638B1855-1B75-4FBE-930C-398BA8C253C6}</a:tableStyleId>
+              </a:tblPr>
+              <a:tblGrid>
+                <a:gridCol w="2096326">
+                  <a:extLst>
+                    <a:ext uri="{9D8B030D-6E8A-4147-A177-3AD203B41FA5}">
+                      <a16:colId xmlns:a16="http://schemas.microsoft.com/office/drawing/2014/main" val="4240773277"/>
+                    </a:ext>
+                  </a:extLst>
+                </a:gridCol>
+              </a:tblGrid>
+              <a:tr h="410363">
+                <a:tc>
+                  <a:txBody>
+                    <a:bodyPr/>
+                    <a:lstStyle/>
+                    <a:p>
+                      <a:pPr algn="ctr"/>
+                      <a:r>
+                        <a:rPr lang="en-SG" u="sng" dirty="0"/>
+                        <a:t>wb1:</a:t>
+                      </a:r>
+                      <a:r>
+                        <a:rPr lang="en-SG" sz="1800" u="sng" dirty="0"/>
+                        <a:t>WorkoutBook</a:t>
+                      </a:r>
+                      <a:endParaRPr lang="en-SG" sz="1600" u="sng" dirty="0"/>
+                    </a:p>
+                  </a:txBody>
+                  <a:tcPr/>
+                </a:tc>
+                <a:extLst>
+                  <a:ext uri="{0D108BD9-81ED-4DB2-BD59-A6C34878D82A}">
+                    <a16:rowId xmlns:a16="http://schemas.microsoft.com/office/drawing/2014/main" val="2194462629"/>
+                  </a:ext>
+                </a:extLst>
+              </a:tr>
+            </a:tbl>
+          </a:graphicData>
+        </a:graphic>
+      </p:graphicFrame>
+      <p:graphicFrame>
+        <p:nvGraphicFramePr>
+          <p:cNvPr id="68" name="Table 67">
+            <a:extLst>
+              <a:ext uri="{FF2B5EF4-FFF2-40B4-BE49-F238E27FC236}">
+                <a16:creationId xmlns:a16="http://schemas.microsoft.com/office/drawing/2014/main" id="{C0CB85A6-3D03-444D-9EE1-798B50F329B7}"/>
+              </a:ext>
+            </a:extLst>
+          </p:cNvPr>
+          <p:cNvGraphicFramePr>
+            <a:graphicFrameLocks noGrp="1"/>
+          </p:cNvGraphicFramePr>
+          <p:nvPr>
+            <p:extLst>
+              <p:ext uri="{D42A27DB-BD31-4B8C-83A1-F6EECF244321}">
+                <p14:modId xmlns:p14="http://schemas.microsoft.com/office/powerpoint/2010/main" val="3744152515"/>
+              </p:ext>
+            </p:extLst>
+          </p:nvPr>
+        </p:nvGraphicFramePr>
+        <p:xfrm>
+          <a:off x="4921136" y="5146677"/>
+          <a:ext cx="2096326" cy="410363"/>
+        </p:xfrm>
+        <a:graphic>
+          <a:graphicData uri="http://schemas.openxmlformats.org/drawingml/2006/table">
+            <a:tbl>
+              <a:tblPr>
+                <a:tableStyleId>{638B1855-1B75-4FBE-930C-398BA8C253C6}</a:tableStyleId>
+              </a:tblPr>
+              <a:tblGrid>
+                <a:gridCol w="2096326">
+                  <a:extLst>
+                    <a:ext uri="{9D8B030D-6E8A-4147-A177-3AD203B41FA5}">
+                      <a16:colId xmlns:a16="http://schemas.microsoft.com/office/drawing/2014/main" val="4240773277"/>
+                    </a:ext>
+                  </a:extLst>
+                </a:gridCol>
+              </a:tblGrid>
+              <a:tr h="410363">
+                <a:tc>
+                  <a:txBody>
+                    <a:bodyPr/>
+                    <a:lstStyle/>
+                    <a:p>
+                      <a:pPr algn="ctr"/>
+                      <a:r>
+                        <a:rPr lang="en-SG" u="sng"/>
+                        <a:t>tdl2:</a:t>
+                      </a:r>
+                      <a:r>
+                        <a:rPr lang="en-SG" sz="1800" u="sng" dirty="0"/>
+                        <a:t>TrackedDataList</a:t>
+                      </a:r>
+                      <a:endParaRPr lang="en-SG" sz="1600" u="sng" dirty="0"/>
+                    </a:p>
+                  </a:txBody>
+                  <a:tcPr/>
+                </a:tc>
+                <a:extLst>
+                  <a:ext uri="{0D108BD9-81ED-4DB2-BD59-A6C34878D82A}">
+                    <a16:rowId xmlns:a16="http://schemas.microsoft.com/office/drawing/2014/main" val="2194462629"/>
+                  </a:ext>
+                </a:extLst>
+              </a:tr>
+            </a:tbl>
+          </a:graphicData>
+        </a:graphic>
+      </p:graphicFrame>
+      <p:graphicFrame>
+        <p:nvGraphicFramePr>
+          <p:cNvPr id="69" name="Table 68">
+            <a:extLst>
+              <a:ext uri="{FF2B5EF4-FFF2-40B4-BE49-F238E27FC236}">
+                <a16:creationId xmlns:a16="http://schemas.microsoft.com/office/drawing/2014/main" id="{8166C074-7DD6-4449-9872-4C2977C286E8}"/>
+              </a:ext>
+            </a:extLst>
+          </p:cNvPr>
+          <p:cNvGraphicFramePr>
+            <a:graphicFrameLocks noGrp="1"/>
+          </p:cNvGraphicFramePr>
+          <p:nvPr>
+            <p:extLst>
+              <p:ext uri="{D42A27DB-BD31-4B8C-83A1-F6EECF244321}">
+                <p14:modId xmlns:p14="http://schemas.microsoft.com/office/powerpoint/2010/main" val="2135510787"/>
+              </p:ext>
+            </p:extLst>
+          </p:nvPr>
+        </p:nvGraphicFramePr>
+        <p:xfrm>
+          <a:off x="4921136" y="4484047"/>
+          <a:ext cx="2096326" cy="410363"/>
+        </p:xfrm>
+        <a:graphic>
+          <a:graphicData uri="http://schemas.openxmlformats.org/drawingml/2006/table">
+            <a:tbl>
+              <a:tblPr>
+                <a:tableStyleId>{638B1855-1B75-4FBE-930C-398BA8C253C6}</a:tableStyleId>
+              </a:tblPr>
+              <a:tblGrid>
+                <a:gridCol w="2096326">
+                  <a:extLst>
+                    <a:ext uri="{9D8B030D-6E8A-4147-A177-3AD203B41FA5}">
+                      <a16:colId xmlns:a16="http://schemas.microsoft.com/office/drawing/2014/main" val="4240773277"/>
+                    </a:ext>
+                  </a:extLst>
+                </a:gridCol>
+              </a:tblGrid>
+              <a:tr h="410363">
+                <a:tc>
+                  <a:txBody>
+                    <a:bodyPr/>
+                    <a:lstStyle/>
+                    <a:p>
+                      <a:pPr algn="ctr"/>
+                      <a:r>
+                        <a:rPr lang="en-SG" u="sng" dirty="0"/>
+                        <a:t>td2:</a:t>
+                      </a:r>
+                      <a:r>
+                        <a:rPr lang="en-SG" sz="1800" u="sng" dirty="0"/>
+                        <a:t>TrackedData</a:t>
+                      </a:r>
+                      <a:endParaRPr lang="en-SG" sz="1600" u="sng" dirty="0"/>
+                    </a:p>
+                  </a:txBody>
+                  <a:tcPr/>
+                </a:tc>
+                <a:extLst>
+                  <a:ext uri="{0D108BD9-81ED-4DB2-BD59-A6C34878D82A}">
+                    <a16:rowId xmlns:a16="http://schemas.microsoft.com/office/drawing/2014/main" val="2194462629"/>
+                  </a:ext>
+                </a:extLst>
+              </a:tr>
+            </a:tbl>
+          </a:graphicData>
+        </a:graphic>
+      </p:graphicFrame>
+      <p:graphicFrame>
+        <p:nvGraphicFramePr>
+          <p:cNvPr id="70" name="Table 69">
+            <a:extLst>
+              <a:ext uri="{FF2B5EF4-FFF2-40B4-BE49-F238E27FC236}">
+                <a16:creationId xmlns:a16="http://schemas.microsoft.com/office/drawing/2014/main" id="{3E0496A3-808D-4B4E-A18D-67E9C6BB3D9F}"/>
+              </a:ext>
+            </a:extLst>
+          </p:cNvPr>
+          <p:cNvGraphicFramePr>
+            <a:graphicFrameLocks noGrp="1"/>
+          </p:cNvGraphicFramePr>
+          <p:nvPr>
+            <p:extLst>
+              <p:ext uri="{D42A27DB-BD31-4B8C-83A1-F6EECF244321}">
+                <p14:modId xmlns:p14="http://schemas.microsoft.com/office/powerpoint/2010/main" val="757731807"/>
+              </p:ext>
+            </p:extLst>
+          </p:nvPr>
+        </p:nvGraphicFramePr>
+        <p:xfrm>
+          <a:off x="4921136" y="3813875"/>
+          <a:ext cx="2096326" cy="410363"/>
+        </p:xfrm>
+        <a:graphic>
+          <a:graphicData uri="http://schemas.openxmlformats.org/drawingml/2006/table">
+            <a:tbl>
+              <a:tblPr>
+                <a:tableStyleId>{638B1855-1B75-4FBE-930C-398BA8C253C6}</a:tableStyleId>
+              </a:tblPr>
+              <a:tblGrid>
+                <a:gridCol w="2096326">
+                  <a:extLst>
+                    <a:ext uri="{9D8B030D-6E8A-4147-A177-3AD203B41FA5}">
+                      <a16:colId xmlns:a16="http://schemas.microsoft.com/office/drawing/2014/main" val="4240773277"/>
+                    </a:ext>
+                  </a:extLst>
+                </a:gridCol>
+              </a:tblGrid>
+              <a:tr h="410363">
+                <a:tc>
+                  <a:txBody>
+                    <a:bodyPr/>
+                    <a:lstStyle/>
+                    <a:p>
+                      <a:pPr algn="ctr"/>
+                      <a:r>
+                        <a:rPr lang="en-SG" u="sng" dirty="0"/>
+                        <a:t>wb2:</a:t>
+                      </a:r>
+                      <a:r>
+                        <a:rPr lang="en-SG" sz="1800" u="sng" dirty="0"/>
+                        <a:t>WorkoutBook</a:t>
+                      </a:r>
+                      <a:endParaRPr lang="en-SG" sz="1600" u="sng" dirty="0"/>
+                    </a:p>
+                  </a:txBody>
+                  <a:tcPr/>
+                </a:tc>
+                <a:extLst>
+                  <a:ext uri="{0D108BD9-81ED-4DB2-BD59-A6C34878D82A}">
+                    <a16:rowId xmlns:a16="http://schemas.microsoft.com/office/drawing/2014/main" val="2194462629"/>
+                  </a:ext>
+                </a:extLst>
+              </a:tr>
+            </a:tbl>
+          </a:graphicData>
+        </a:graphic>
+      </p:graphicFrame>
     </p:spTree>
     <p:extLst>
       <p:ext uri="{BB962C8B-B14F-4D97-AF65-F5344CB8AC3E}">
